--- a/Documentation/Presentation-of-kings.pptx
+++ b/Documentation/Presentation-of-kings.pptx
@@ -17,6 +17,11 @@
     <p:sldId id="265" r:id="rId11"/>
     <p:sldId id="267" r:id="rId12"/>
     <p:sldId id="266" r:id="rId13"/>
+    <p:sldId id="268" r:id="rId14"/>
+    <p:sldId id="269" r:id="rId15"/>
+    <p:sldId id="270" r:id="rId16"/>
+    <p:sldId id="271" r:id="rId17"/>
+    <p:sldId id="272" r:id="rId18"/>
   </p:sldIdLst>
   <p:sldSz cx="9144000" cy="6858000" type="screen4x3"/>
   <p:notesSz cx="6797675" cy="9926638"/>
@@ -117,7 +122,7 @@
   </p:defaultTextStyle>
   <p:extLst>
     <p:ext uri="{EFAFB233-063F-42B5-8137-9DF3F51BA10A}">
-      <p15:sldGuideLst xmlns:p15="http://schemas.microsoft.com/office/powerpoint/2012/main">
+      <p15:sldGuideLst xmlns="" xmlns:p15="http://schemas.microsoft.com/office/powerpoint/2012/main">
         <p15:guide id="1" orient="horz" pos="2160">
           <p15:clr>
             <a:srgbClr val="A4A3A4"/>
@@ -316,7 +321,7 @@
             <a:fld id="{2F90E24E-5B16-46E1-A597-7E7A88DE0389}" type="datetimeFigureOut">
               <a:rPr lang="en-GB" smtClean="0"/>
               <a:pPr/>
-              <a:t>26/02/2015</a:t>
+              <a:t>27/03/2015</a:t>
             </a:fld>
             <a:endParaRPr lang="en-GB"/>
           </a:p>
@@ -483,7 +488,7 @@
             <a:fld id="{2F90E24E-5B16-46E1-A597-7E7A88DE0389}" type="datetimeFigureOut">
               <a:rPr lang="en-GB" smtClean="0"/>
               <a:pPr/>
-              <a:t>26/02/2015</a:t>
+              <a:t>27/03/2015</a:t>
             </a:fld>
             <a:endParaRPr lang="en-GB"/>
           </a:p>
@@ -660,7 +665,7 @@
             <a:fld id="{2F90E24E-5B16-46E1-A597-7E7A88DE0389}" type="datetimeFigureOut">
               <a:rPr lang="en-GB" smtClean="0"/>
               <a:pPr/>
-              <a:t>26/02/2015</a:t>
+              <a:t>27/03/2015</a:t>
             </a:fld>
             <a:endParaRPr lang="en-GB"/>
           </a:p>
@@ -827,7 +832,7 @@
             <a:fld id="{2F90E24E-5B16-46E1-A597-7E7A88DE0389}" type="datetimeFigureOut">
               <a:rPr lang="en-GB" smtClean="0"/>
               <a:pPr/>
-              <a:t>26/02/2015</a:t>
+              <a:t>27/03/2015</a:t>
             </a:fld>
             <a:endParaRPr lang="en-GB"/>
           </a:p>
@@ -1070,7 +1075,7 @@
             <a:fld id="{2F90E24E-5B16-46E1-A597-7E7A88DE0389}" type="datetimeFigureOut">
               <a:rPr lang="en-GB" smtClean="0"/>
               <a:pPr/>
-              <a:t>26/02/2015</a:t>
+              <a:t>27/03/2015</a:t>
             </a:fld>
             <a:endParaRPr lang="en-GB"/>
           </a:p>
@@ -1355,7 +1360,7 @@
             <a:fld id="{2F90E24E-5B16-46E1-A597-7E7A88DE0389}" type="datetimeFigureOut">
               <a:rPr lang="en-GB" smtClean="0"/>
               <a:pPr/>
-              <a:t>26/02/2015</a:t>
+              <a:t>27/03/2015</a:t>
             </a:fld>
             <a:endParaRPr lang="en-GB"/>
           </a:p>
@@ -1774,7 +1779,7 @@
             <a:fld id="{2F90E24E-5B16-46E1-A597-7E7A88DE0389}" type="datetimeFigureOut">
               <a:rPr lang="en-GB" smtClean="0"/>
               <a:pPr/>
-              <a:t>26/02/2015</a:t>
+              <a:t>27/03/2015</a:t>
             </a:fld>
             <a:endParaRPr lang="en-GB"/>
           </a:p>
@@ -1889,7 +1894,7 @@
             <a:fld id="{2F90E24E-5B16-46E1-A597-7E7A88DE0389}" type="datetimeFigureOut">
               <a:rPr lang="en-GB" smtClean="0"/>
               <a:pPr/>
-              <a:t>26/02/2015</a:t>
+              <a:t>27/03/2015</a:t>
             </a:fld>
             <a:endParaRPr lang="en-GB"/>
           </a:p>
@@ -1981,7 +1986,7 @@
             <a:fld id="{2F90E24E-5B16-46E1-A597-7E7A88DE0389}" type="datetimeFigureOut">
               <a:rPr lang="en-GB" smtClean="0"/>
               <a:pPr/>
-              <a:t>26/02/2015</a:t>
+              <a:t>27/03/2015</a:t>
             </a:fld>
             <a:endParaRPr lang="en-GB"/>
           </a:p>
@@ -2255,7 +2260,7 @@
             <a:fld id="{2F90E24E-5B16-46E1-A597-7E7A88DE0389}" type="datetimeFigureOut">
               <a:rPr lang="en-GB" smtClean="0"/>
               <a:pPr/>
-              <a:t>26/02/2015</a:t>
+              <a:t>27/03/2015</a:t>
             </a:fld>
             <a:endParaRPr lang="en-GB"/>
           </a:p>
@@ -2505,7 +2510,7 @@
             <a:fld id="{2F90E24E-5B16-46E1-A597-7E7A88DE0389}" type="datetimeFigureOut">
               <a:rPr lang="en-GB" smtClean="0"/>
               <a:pPr/>
-              <a:t>26/02/2015</a:t>
+              <a:t>27/03/2015</a:t>
             </a:fld>
             <a:endParaRPr lang="en-GB"/>
           </a:p>
@@ -2715,7 +2720,7 @@
             <a:fld id="{2F90E24E-5B16-46E1-A597-7E7A88DE0389}" type="datetimeFigureOut">
               <a:rPr lang="en-GB" smtClean="0"/>
               <a:pPr/>
-              <a:t>26/02/2015</a:t>
+              <a:t>27/03/2015</a:t>
             </a:fld>
             <a:endParaRPr lang="en-GB"/>
           </a:p>
@@ -3432,10 +3437,10 @@
           <p:nvPr/>
         </p:nvPicPr>
         <p:blipFill rotWithShape="1">
-          <a:blip r:embed="rId2">
+          <a:blip r:embed="rId2" cstate="print">
             <a:extLst>
               <a:ext uri="{28A0092B-C50C-407E-A947-70E740481C1C}">
-                <a14:useLocalDpi xmlns:a14="http://schemas.microsoft.com/office/drawing/2010/main" val="0"/>
+                <a14:useLocalDpi xmlns="" xmlns:a14="http://schemas.microsoft.com/office/drawing/2010/main" val="0"/>
               </a:ext>
             </a:extLst>
           </a:blip>
@@ -3455,7 +3460,7 @@
     </p:spTree>
     <p:extLst>
       <p:ext uri="{BB962C8B-B14F-4D97-AF65-F5344CB8AC3E}">
-        <p14:creationId xmlns:p14="http://schemas.microsoft.com/office/powerpoint/2010/main" val="1902272464"/>
+        <p14:creationId xmlns="" xmlns:p14="http://schemas.microsoft.com/office/powerpoint/2010/main" val="1902272464"/>
       </p:ext>
     </p:extLst>
   </p:cSld>
@@ -3516,10 +3521,10 @@
           </p:nvPr>
         </p:nvPicPr>
         <p:blipFill rotWithShape="1">
-          <a:blip r:embed="rId2">
+          <a:blip r:embed="rId2" cstate="print">
             <a:extLst>
               <a:ext uri="{28A0092B-C50C-407E-A947-70E740481C1C}">
-                <a14:useLocalDpi xmlns:a14="http://schemas.microsoft.com/office/drawing/2010/main" val="0"/>
+                <a14:useLocalDpi xmlns="" xmlns:a14="http://schemas.microsoft.com/office/drawing/2010/main" val="0"/>
               </a:ext>
             </a:extLst>
           </a:blip>
@@ -3536,7 +3541,7 @@
     </p:spTree>
     <p:extLst>
       <p:ext uri="{BB962C8B-B14F-4D97-AF65-F5344CB8AC3E}">
-        <p14:creationId xmlns:p14="http://schemas.microsoft.com/office/powerpoint/2010/main" val="1751890965"/>
+        <p14:creationId xmlns="" xmlns:p14="http://schemas.microsoft.com/office/powerpoint/2010/main" val="1751890965"/>
       </p:ext>
     </p:extLst>
   </p:cSld>
@@ -3550,6 +3555,530 @@
       </p:par>
     </p:tnLst>
   </p:timing>
+</p:sld>
+</file>
+
+<file path=ppt/slides/slide13.xml><?xml version="1.0" encoding="utf-8"?>
+<p:sld xmlns:a="http://schemas.openxmlformats.org/drawingml/2006/main" xmlns:r="http://schemas.openxmlformats.org/officeDocument/2006/relationships" xmlns:p="http://schemas.openxmlformats.org/presentationml/2006/main">
+  <p:cSld>
+    <p:spTree>
+      <p:nvGrpSpPr>
+        <p:cNvPr id="1" name=""/>
+        <p:cNvGrpSpPr/>
+        <p:nvPr/>
+      </p:nvGrpSpPr>
+      <p:grpSpPr>
+        <a:xfrm>
+          <a:off x="0" y="0"/>
+          <a:ext cx="0" cy="0"/>
+          <a:chOff x="0" y="0"/>
+          <a:chExt cx="0" cy="0"/>
+        </a:xfrm>
+      </p:grpSpPr>
+      <p:sp>
+        <p:nvSpPr>
+          <p:cNvPr id="2" name="Title 1"/>
+          <p:cNvSpPr>
+            <a:spLocks noGrp="1"/>
+          </p:cNvSpPr>
+          <p:nvPr>
+            <p:ph type="title"/>
+          </p:nvPr>
+        </p:nvSpPr>
+        <p:spPr>
+          <a:xfrm>
+            <a:off x="467544" y="188640"/>
+            <a:ext cx="8229600" cy="796950"/>
+          </a:xfrm>
+        </p:spPr>
+        <p:txBody>
+          <a:bodyPr/>
+          <a:lstStyle/>
+          <a:p>
+            <a:r>
+              <a:rPr lang="en-GB" dirty="0" smtClean="0"/>
+              <a:t>Final Design – Main Page</a:t>
+            </a:r>
+            <a:endParaRPr lang="en-GB" dirty="0"/>
+          </a:p>
+        </p:txBody>
+      </p:sp>
+      <p:pic>
+        <p:nvPicPr>
+          <p:cNvPr id="1026" name="Picture 2"/>
+          <p:cNvPicPr>
+            <a:picLocks noChangeAspect="1" noChangeArrowheads="1"/>
+          </p:cNvPicPr>
+          <p:nvPr/>
+        </p:nvPicPr>
+        <p:blipFill>
+          <a:blip r:embed="rId2" cstate="print"/>
+          <a:srcRect/>
+          <a:stretch>
+            <a:fillRect/>
+          </a:stretch>
+        </p:blipFill>
+        <p:spPr bwMode="auto">
+          <a:xfrm>
+            <a:off x="251520" y="1484784"/>
+            <a:ext cx="8676456" cy="4752528"/>
+          </a:xfrm>
+          <a:prstGeom prst="rect">
+            <a:avLst/>
+          </a:prstGeom>
+          <a:ln>
+            <a:noFill/>
+          </a:ln>
+          <a:effectLst>
+            <a:outerShdw blurRad="292100" dist="139700" dir="2700000" algn="tl" rotWithShape="0">
+              <a:srgbClr val="333333">
+                <a:alpha val="65000"/>
+              </a:srgbClr>
+            </a:outerShdw>
+          </a:effectLst>
+        </p:spPr>
+      </p:pic>
+    </p:spTree>
+  </p:cSld>
+  <p:clrMapOvr>
+    <a:masterClrMapping/>
+  </p:clrMapOvr>
+</p:sld>
+</file>
+
+<file path=ppt/slides/slide14.xml><?xml version="1.0" encoding="utf-8"?>
+<p:sld xmlns:a="http://schemas.openxmlformats.org/drawingml/2006/main" xmlns:r="http://schemas.openxmlformats.org/officeDocument/2006/relationships" xmlns:p="http://schemas.openxmlformats.org/presentationml/2006/main">
+  <p:cSld>
+    <p:spTree>
+      <p:nvGrpSpPr>
+        <p:cNvPr id="1" name=""/>
+        <p:cNvGrpSpPr/>
+        <p:nvPr/>
+      </p:nvGrpSpPr>
+      <p:grpSpPr>
+        <a:xfrm>
+          <a:off x="0" y="0"/>
+          <a:ext cx="0" cy="0"/>
+          <a:chOff x="0" y="0"/>
+          <a:chExt cx="0" cy="0"/>
+        </a:xfrm>
+      </p:grpSpPr>
+      <p:sp>
+        <p:nvSpPr>
+          <p:cNvPr id="2" name="Title 1"/>
+          <p:cNvSpPr>
+            <a:spLocks noGrp="1"/>
+          </p:cNvSpPr>
+          <p:nvPr>
+            <p:ph type="title"/>
+          </p:nvPr>
+        </p:nvSpPr>
+        <p:spPr/>
+        <p:txBody>
+          <a:bodyPr>
+            <a:normAutofit/>
+          </a:bodyPr>
+          <a:lstStyle/>
+          <a:p>
+            <a:r>
+              <a:rPr lang="en-GB" dirty="0" smtClean="0"/>
+              <a:t>Final Design – Image View </a:t>
+            </a:r>
+            <a:br>
+              <a:rPr lang="en-GB" dirty="0" smtClean="0"/>
+            </a:br>
+            <a:r>
+              <a:rPr lang="en-GB" sz="1800" dirty="0" smtClean="0"/>
+              <a:t>(Includes ‘REMOVE IMAGE’ feature as user is logged in as admin)</a:t>
+            </a:r>
+            <a:endParaRPr lang="en-GB" dirty="0"/>
+          </a:p>
+        </p:txBody>
+      </p:sp>
+      <p:pic>
+        <p:nvPicPr>
+          <p:cNvPr id="2050" name="Picture 2"/>
+          <p:cNvPicPr>
+            <a:picLocks noChangeAspect="1" noChangeArrowheads="1"/>
+          </p:cNvPicPr>
+          <p:nvPr/>
+        </p:nvPicPr>
+        <p:blipFill>
+          <a:blip r:embed="rId2" cstate="print"/>
+          <a:srcRect/>
+          <a:stretch>
+            <a:fillRect/>
+          </a:stretch>
+        </p:blipFill>
+        <p:spPr bwMode="auto">
+          <a:xfrm>
+            <a:off x="323528" y="1484784"/>
+            <a:ext cx="8601691" cy="5112568"/>
+          </a:xfrm>
+          <a:prstGeom prst="rect">
+            <a:avLst/>
+          </a:prstGeom>
+          <a:ln>
+            <a:noFill/>
+          </a:ln>
+          <a:effectLst>
+            <a:outerShdw blurRad="292100" dist="139700" dir="2700000" algn="tl" rotWithShape="0">
+              <a:srgbClr val="333333">
+                <a:alpha val="65000"/>
+              </a:srgbClr>
+            </a:outerShdw>
+          </a:effectLst>
+        </p:spPr>
+      </p:pic>
+    </p:spTree>
+  </p:cSld>
+  <p:clrMapOvr>
+    <a:masterClrMapping/>
+  </p:clrMapOvr>
+</p:sld>
+</file>
+
+<file path=ppt/slides/slide15.xml><?xml version="1.0" encoding="utf-8"?>
+<p:sld xmlns:a="http://schemas.openxmlformats.org/drawingml/2006/main" xmlns:r="http://schemas.openxmlformats.org/officeDocument/2006/relationships" xmlns:p="http://schemas.openxmlformats.org/presentationml/2006/main">
+  <p:cSld>
+    <p:spTree>
+      <p:nvGrpSpPr>
+        <p:cNvPr id="1" name=""/>
+        <p:cNvGrpSpPr/>
+        <p:nvPr/>
+      </p:nvGrpSpPr>
+      <p:grpSpPr>
+        <a:xfrm>
+          <a:off x="0" y="0"/>
+          <a:ext cx="0" cy="0"/>
+          <a:chOff x="0" y="0"/>
+          <a:chExt cx="0" cy="0"/>
+        </a:xfrm>
+      </p:grpSpPr>
+      <p:sp>
+        <p:nvSpPr>
+          <p:cNvPr id="2" name="Title 1"/>
+          <p:cNvSpPr>
+            <a:spLocks noGrp="1"/>
+          </p:cNvSpPr>
+          <p:nvPr>
+            <p:ph type="title"/>
+          </p:nvPr>
+        </p:nvSpPr>
+        <p:spPr>
+          <a:xfrm>
+            <a:off x="467544" y="476672"/>
+            <a:ext cx="8229600" cy="868958"/>
+          </a:xfrm>
+        </p:spPr>
+        <p:txBody>
+          <a:bodyPr/>
+          <a:lstStyle/>
+          <a:p>
+            <a:r>
+              <a:rPr lang="en-GB" dirty="0" smtClean="0"/>
+              <a:t>Final Design – Upload View</a:t>
+            </a:r>
+            <a:endParaRPr lang="en-GB" dirty="0"/>
+          </a:p>
+        </p:txBody>
+      </p:sp>
+      <p:pic>
+        <p:nvPicPr>
+          <p:cNvPr id="3074" name="Picture 2"/>
+          <p:cNvPicPr>
+            <a:picLocks noChangeAspect="1" noChangeArrowheads="1"/>
+          </p:cNvPicPr>
+          <p:nvPr/>
+        </p:nvPicPr>
+        <p:blipFill>
+          <a:blip r:embed="rId2" cstate="print"/>
+          <a:srcRect/>
+          <a:stretch>
+            <a:fillRect/>
+          </a:stretch>
+        </p:blipFill>
+        <p:spPr bwMode="auto">
+          <a:xfrm>
+            <a:off x="323528" y="1988840"/>
+            <a:ext cx="8576698" cy="4032448"/>
+          </a:xfrm>
+          <a:prstGeom prst="rect">
+            <a:avLst/>
+          </a:prstGeom>
+          <a:ln>
+            <a:noFill/>
+          </a:ln>
+          <a:effectLst>
+            <a:outerShdw blurRad="292100" dist="139700" dir="2700000" algn="tl" rotWithShape="0">
+              <a:srgbClr val="333333">
+                <a:alpha val="65000"/>
+              </a:srgbClr>
+            </a:outerShdw>
+          </a:effectLst>
+        </p:spPr>
+      </p:pic>
+    </p:spTree>
+  </p:cSld>
+  <p:clrMapOvr>
+    <a:masterClrMapping/>
+  </p:clrMapOvr>
+</p:sld>
+</file>
+
+<file path=ppt/slides/slide16.xml><?xml version="1.0" encoding="utf-8"?>
+<p:sld xmlns:a="http://schemas.openxmlformats.org/drawingml/2006/main" xmlns:r="http://schemas.openxmlformats.org/officeDocument/2006/relationships" xmlns:p="http://schemas.openxmlformats.org/presentationml/2006/main">
+  <p:cSld>
+    <p:spTree>
+      <p:nvGrpSpPr>
+        <p:cNvPr id="1" name=""/>
+        <p:cNvGrpSpPr/>
+        <p:nvPr/>
+      </p:nvGrpSpPr>
+      <p:grpSpPr>
+        <a:xfrm>
+          <a:off x="0" y="0"/>
+          <a:ext cx="0" cy="0"/>
+          <a:chOff x="0" y="0"/>
+          <a:chExt cx="0" cy="0"/>
+        </a:xfrm>
+      </p:grpSpPr>
+      <p:sp>
+        <p:nvSpPr>
+          <p:cNvPr id="2" name="Title 1"/>
+          <p:cNvSpPr>
+            <a:spLocks noGrp="1"/>
+          </p:cNvSpPr>
+          <p:nvPr>
+            <p:ph type="title"/>
+          </p:nvPr>
+        </p:nvSpPr>
+        <p:spPr/>
+        <p:txBody>
+          <a:bodyPr/>
+          <a:lstStyle/>
+          <a:p>
+            <a:r>
+              <a:rPr lang="en-GB" dirty="0" smtClean="0"/>
+              <a:t>Final Design – 404 Page</a:t>
+            </a:r>
+            <a:endParaRPr lang="en-GB" dirty="0"/>
+          </a:p>
+        </p:txBody>
+      </p:sp>
+      <p:pic>
+        <p:nvPicPr>
+          <p:cNvPr id="4098" name="Picture 2"/>
+          <p:cNvPicPr>
+            <a:picLocks noChangeAspect="1" noChangeArrowheads="1"/>
+          </p:cNvPicPr>
+          <p:nvPr/>
+        </p:nvPicPr>
+        <p:blipFill>
+          <a:blip r:embed="rId2" cstate="print"/>
+          <a:srcRect/>
+          <a:stretch>
+            <a:fillRect/>
+          </a:stretch>
+        </p:blipFill>
+        <p:spPr bwMode="auto">
+          <a:xfrm>
+            <a:off x="611560" y="1268760"/>
+            <a:ext cx="8098430" cy="5256584"/>
+          </a:xfrm>
+          <a:prstGeom prst="rect">
+            <a:avLst/>
+          </a:prstGeom>
+          <a:ln>
+            <a:noFill/>
+          </a:ln>
+          <a:effectLst>
+            <a:outerShdw blurRad="292100" dist="139700" dir="2700000" algn="tl" rotWithShape="0">
+              <a:srgbClr val="333333">
+                <a:alpha val="65000"/>
+              </a:srgbClr>
+            </a:outerShdw>
+          </a:effectLst>
+        </p:spPr>
+      </p:pic>
+    </p:spTree>
+  </p:cSld>
+  <p:clrMapOvr>
+    <a:masterClrMapping/>
+  </p:clrMapOvr>
+</p:sld>
+</file>
+
+<file path=ppt/slides/slide17.xml><?xml version="1.0" encoding="utf-8"?>
+<p:sld xmlns:a="http://schemas.openxmlformats.org/drawingml/2006/main" xmlns:r="http://schemas.openxmlformats.org/officeDocument/2006/relationships" xmlns:p="http://schemas.openxmlformats.org/presentationml/2006/main">
+  <p:cSld>
+    <p:spTree>
+      <p:nvGrpSpPr>
+        <p:cNvPr id="1" name=""/>
+        <p:cNvGrpSpPr/>
+        <p:nvPr/>
+      </p:nvGrpSpPr>
+      <p:grpSpPr>
+        <a:xfrm>
+          <a:off x="0" y="0"/>
+          <a:ext cx="0" cy="0"/>
+          <a:chOff x="0" y="0"/>
+          <a:chExt cx="0" cy="0"/>
+        </a:xfrm>
+      </p:grpSpPr>
+      <p:sp>
+        <p:nvSpPr>
+          <p:cNvPr id="2" name="Title 1"/>
+          <p:cNvSpPr>
+            <a:spLocks noGrp="1"/>
+          </p:cNvSpPr>
+          <p:nvPr>
+            <p:ph type="title"/>
+          </p:nvPr>
+        </p:nvSpPr>
+        <p:spPr>
+          <a:xfrm>
+            <a:off x="395536" y="188640"/>
+            <a:ext cx="8229600" cy="850106"/>
+          </a:xfrm>
+        </p:spPr>
+        <p:txBody>
+          <a:bodyPr>
+            <a:normAutofit/>
+          </a:bodyPr>
+          <a:lstStyle/>
+          <a:p>
+            <a:r>
+              <a:rPr lang="en-GB" dirty="0" smtClean="0"/>
+              <a:t>Final Design – URL Mapping</a:t>
+            </a:r>
+            <a:endParaRPr lang="en-GB" dirty="0"/>
+          </a:p>
+        </p:txBody>
+      </p:sp>
+      <p:sp>
+        <p:nvSpPr>
+          <p:cNvPr id="3" name="Content Placeholder 2"/>
+          <p:cNvSpPr>
+            <a:spLocks noGrp="1"/>
+          </p:cNvSpPr>
+          <p:nvPr>
+            <p:ph idx="1"/>
+          </p:nvPr>
+        </p:nvSpPr>
+        <p:spPr>
+          <a:xfrm>
+            <a:off x="179512" y="1052736"/>
+            <a:ext cx="8640960" cy="5472608"/>
+          </a:xfrm>
+        </p:spPr>
+        <p:txBody>
+          <a:bodyPr>
+            <a:normAutofit/>
+          </a:bodyPr>
+          <a:lstStyle/>
+          <a:p>
+            <a:r>
+              <a:rPr lang="en-GB" sz="1800" dirty="0" smtClean="0"/>
+              <a:t>http://copycatd7.pythonanywhere.com/image_hosting/ - Main</a:t>
+            </a:r>
+          </a:p>
+          <a:p>
+            <a:r>
+              <a:rPr lang="en-GB" sz="1800" dirty="0" smtClean="0"/>
+              <a:t>http://copycatd7.pythonanywhere.com/image_hosting/upload/ - Upload</a:t>
+            </a:r>
+          </a:p>
+          <a:p>
+            <a:r>
+              <a:rPr lang="en-GB" sz="1800" dirty="0" smtClean="0"/>
+              <a:t>http://copycatd7.pythonanywhere.com/image_hosting/image_view/images/&lt;your image&gt;.jpg –Image View </a:t>
+            </a:r>
+          </a:p>
+          <a:p>
+            <a:r>
+              <a:rPr lang="en-GB" sz="1800" dirty="0" smtClean="0"/>
+              <a:t>http://copycatd7.pythonanywhere.com/image_hosting/professional/ - Category (Professional)</a:t>
+            </a:r>
+          </a:p>
+          <a:p>
+            <a:r>
+              <a:rPr lang="en-GB" sz="1800" dirty="0" smtClean="0"/>
+              <a:t>http://copycatd7.pythonanywhere.com/image_hosting/funny/ - Category (Funny)</a:t>
+            </a:r>
+          </a:p>
+          <a:p>
+            <a:r>
+              <a:rPr lang="en-GB" sz="1800" dirty="0" smtClean="0"/>
+              <a:t>http://copycatd7.pythonanywhere.com/image_hosting/other/ - Category (Other)</a:t>
+            </a:r>
+          </a:p>
+          <a:p>
+            <a:r>
+              <a:rPr lang="en-GB" sz="1800" dirty="0" smtClean="0"/>
+              <a:t>http://copycatd7.pythonanywhere.com/image_hosting/most_recent/ - Category (Most Recent)</a:t>
+            </a:r>
+          </a:p>
+          <a:p>
+            <a:r>
+              <a:rPr lang="en-GB" sz="1800" dirty="0" smtClean="0"/>
+              <a:t>http://copycatd7.pythonanywhere.com/image_hosting/most_up_voted/ - Category (Up voted)</a:t>
+            </a:r>
+          </a:p>
+          <a:p>
+            <a:r>
+              <a:rPr lang="en-GB" sz="1800" dirty="0" smtClean="0"/>
+              <a:t>http://copycatd7.pythonanywhere.com/image_hosting/most_down_voted/ - Category (Down voted)</a:t>
+            </a:r>
+          </a:p>
+          <a:p>
+            <a:r>
+              <a:rPr lang="en-GB" sz="1800" dirty="0" smtClean="0"/>
+              <a:t>http://copycatd7.pythonanywhere.com/image_hosting/random/ - Random </a:t>
+            </a:r>
+          </a:p>
+          <a:p>
+            <a:r>
+              <a:rPr lang="en-GB" sz="1800" dirty="0" smtClean="0"/>
+              <a:t>http://copycatd7.pythonanywhere.com/image_hosting/api/ </a:t>
+            </a:r>
+            <a:r>
+              <a:rPr lang="en-GB" sz="1800" dirty="0" smtClean="0"/>
+              <a:t>- API </a:t>
+            </a:r>
+            <a:r>
+              <a:rPr lang="en-GB" sz="1800" dirty="0" smtClean="0"/>
+              <a:t>Access</a:t>
+            </a:r>
+          </a:p>
+          <a:p>
+            <a:r>
+              <a:rPr lang="en-GB" sz="1800" dirty="0" smtClean="0"/>
+              <a:t>http://copycatd7.pythonanywhere.com/image_hosting/test/   - </a:t>
+            </a:r>
+            <a:r>
+              <a:rPr lang="en-GB" sz="1800" dirty="0" smtClean="0"/>
+              <a:t>API </a:t>
+            </a:r>
+            <a:r>
+              <a:rPr lang="en-GB" sz="1800" dirty="0" smtClean="0"/>
+              <a:t>test</a:t>
+            </a:r>
+            <a:endParaRPr lang="en-GB" sz="1800" dirty="0" smtClean="0"/>
+          </a:p>
+          <a:p>
+            <a:pPr>
+              <a:buNone/>
+            </a:pPr>
+            <a:endParaRPr lang="en-GB" sz="1600" dirty="0"/>
+          </a:p>
+        </p:txBody>
+      </p:sp>
+    </p:spTree>
+  </p:cSld>
+  <p:clrMapOvr>
+    <a:masterClrMapping/>
+  </p:clrMapOvr>
 </p:sld>
 </file>
 
@@ -4305,11 +4834,7 @@
             </a:pPr>
             <a:r>
               <a:rPr lang="en-US" sz="3900" dirty="0" smtClean="0"/>
-              <a:t>Developer </a:t>
-            </a:r>
-            <a:r>
-              <a:rPr lang="en-US" sz="3900" dirty="0" smtClean="0"/>
-              <a:t>API</a:t>
+              <a:t>Developer API</a:t>
             </a:r>
             <a:endParaRPr lang="en-GB" dirty="0"/>
           </a:p>
@@ -4442,11 +4967,7 @@
             <a:pPr lvl="1"/>
             <a:r>
               <a:rPr lang="en-US" dirty="0" smtClean="0"/>
-              <a:t>Ability </a:t>
-            </a:r>
-            <a:r>
-              <a:rPr lang="en-US" dirty="0" smtClean="0"/>
-              <a:t>to choose a category</a:t>
+              <a:t>Ability to choose a category</a:t>
             </a:r>
             <a:endParaRPr lang="en-GB" dirty="0" smtClean="0"/>
           </a:p>
@@ -4610,11 +5131,7 @@
             <a:pPr lvl="1"/>
             <a:r>
               <a:rPr lang="en-US" dirty="0" smtClean="0"/>
-              <a:t>Three </a:t>
-            </a:r>
-            <a:r>
-              <a:rPr lang="en-US" dirty="0" smtClean="0"/>
-              <a:t>categories must be added to the website:</a:t>
+              <a:t>Three categories must be added to the website:</a:t>
             </a:r>
             <a:endParaRPr lang="en-GB" dirty="0" smtClean="0"/>
           </a:p>
@@ -4662,11 +5179,7 @@
             <a:pPr lvl="0"/>
             <a:r>
               <a:rPr lang="en-US" dirty="0" smtClean="0"/>
-              <a:t>Image </a:t>
-            </a:r>
-            <a:r>
-              <a:rPr lang="en-US" dirty="0" smtClean="0"/>
-              <a:t>view</a:t>
+              <a:t>Image view</a:t>
             </a:r>
             <a:endParaRPr lang="en-GB" dirty="0" smtClean="0"/>
           </a:p>
